--- a/10-coding_style/00-coding_style.pptx
+++ b/10-coding_style/00-coding_style.pptx
@@ -22,9 +22,10 @@
     <p:sldId id="311" r:id="rId16"/>
     <p:sldId id="312" r:id="rId17"/>
     <p:sldId id="313" r:id="rId18"/>
-    <p:sldId id="314" r:id="rId19"/>
-    <p:sldId id="315" r:id="rId20"/>
-    <p:sldId id="294" r:id="rId21"/>
+    <p:sldId id="316" r:id="rId19"/>
+    <p:sldId id="314" r:id="rId20"/>
+    <p:sldId id="315" r:id="rId21"/>
+    <p:sldId id="294" r:id="rId22"/>
   </p:sldIdLst>
   <p:sldSz cx="12192000" cy="6858000"/>
   <p:notesSz cx="6858000" cy="9144000"/>
@@ -6294,6 +6295,112 @@
           <p:cNvPr id="2" name="標題 1">
             <a:extLst>
               <a:ext uri="{FF2B5EF4-FFF2-40B4-BE49-F238E27FC236}">
+                <a16:creationId xmlns:a16="http://schemas.microsoft.com/office/drawing/2014/main" id="{949F26AF-977D-4F61-B7AA-8B041C3F7AC2}"/>
+              </a:ext>
+            </a:extLst>
+          </p:cNvPr>
+          <p:cNvSpPr>
+            <a:spLocks noGrp="1"/>
+          </p:cNvSpPr>
+          <p:nvPr>
+            <p:ph type="title"/>
+          </p:nvPr>
+        </p:nvSpPr>
+        <p:spPr/>
+        <p:txBody>
+          <a:bodyPr/>
+          <a:lstStyle/>
+          <a:p>
+            <a:r>
+              <a:rPr lang="en-US" altLang="zh-TW" dirty="0" err="1"/>
+              <a:t>Misc</a:t>
+            </a:r>
+            <a:endParaRPr lang="zh-TW" altLang="en-US" dirty="0"/>
+          </a:p>
+        </p:txBody>
+      </p:sp>
+      <p:sp>
+        <p:nvSpPr>
+          <p:cNvPr id="3" name="內容版面配置區 2">
+            <a:extLst>
+              <a:ext uri="{FF2B5EF4-FFF2-40B4-BE49-F238E27FC236}">
+                <a16:creationId xmlns:a16="http://schemas.microsoft.com/office/drawing/2014/main" id="{D1CC4EA6-676B-4C1D-AE14-0405217FDA0E}"/>
+              </a:ext>
+            </a:extLst>
+          </p:cNvPr>
+          <p:cNvSpPr>
+            <a:spLocks noGrp="1"/>
+          </p:cNvSpPr>
+          <p:nvPr>
+            <p:ph idx="1"/>
+          </p:nvPr>
+        </p:nvSpPr>
+        <p:spPr/>
+        <p:txBody>
+          <a:bodyPr/>
+          <a:lstStyle/>
+          <a:p>
+            <a:r>
+              <a:rPr lang="en-US" altLang="zh-TW" dirty="0"/>
+              <a:t>Do single statement or task in one line.</a:t>
+            </a:r>
+          </a:p>
+          <a:p>
+            <a:r>
+              <a:rPr lang="en-US" altLang="zh-TW" dirty="0"/>
+              <a:t>Reserve whitespaces after keywords and no space after functions.</a:t>
+            </a:r>
+          </a:p>
+          <a:p>
+            <a:r>
+              <a:rPr lang="en-US" altLang="zh-TW" dirty="0"/>
+              <a:t>Reserve whitespace between binary operators and no space between unary operators.</a:t>
+            </a:r>
+          </a:p>
+          <a:p>
+            <a:r>
+              <a:rPr lang="en-US" altLang="zh-TW" dirty="0"/>
+              <a:t>Add a new line between two functions.</a:t>
+            </a:r>
+            <a:endParaRPr lang="zh-TW" altLang="en-US" dirty="0"/>
+          </a:p>
+        </p:txBody>
+      </p:sp>
+    </p:spTree>
+    <p:extLst>
+      <p:ext uri="{BB962C8B-B14F-4D97-AF65-F5344CB8AC3E}">
+        <p14:creationId xmlns:p14="http://schemas.microsoft.com/office/powerpoint/2010/main" val="1424629843"/>
+      </p:ext>
+    </p:extLst>
+  </p:cSld>
+  <p:clrMapOvr>
+    <a:masterClrMapping/>
+  </p:clrMapOvr>
+</p:sld>
+</file>
+
+<file path=ppt/slides/slide19.xml><?xml version="1.0" encoding="utf-8"?>
+<p:sld xmlns:a="http://schemas.openxmlformats.org/drawingml/2006/main" xmlns:r="http://schemas.openxmlformats.org/officeDocument/2006/relationships" xmlns:p="http://schemas.openxmlformats.org/presentationml/2006/main">
+  <p:cSld>
+    <p:spTree>
+      <p:nvGrpSpPr>
+        <p:cNvPr id="1" name=""/>
+        <p:cNvGrpSpPr/>
+        <p:nvPr/>
+      </p:nvGrpSpPr>
+      <p:grpSpPr>
+        <a:xfrm>
+          <a:off x="0" y="0"/>
+          <a:ext cx="0" cy="0"/>
+          <a:chOff x="0" y="0"/>
+          <a:chExt cx="0" cy="0"/>
+        </a:xfrm>
+      </p:grpSpPr>
+      <p:sp>
+        <p:nvSpPr>
+          <p:cNvPr id="2" name="標題 1">
+            <a:extLst>
+              <a:ext uri="{FF2B5EF4-FFF2-40B4-BE49-F238E27FC236}">
                 <a16:creationId xmlns:a16="http://schemas.microsoft.com/office/drawing/2014/main" id="{01991D8C-F905-4E97-8AE2-DB7D9841DFE5}"/>
               </a:ext>
             </a:extLst>
@@ -6374,7 +6481,163 @@
 </p:sld>
 </file>
 
-<file path=ppt/slides/slide19.xml><?xml version="1.0" encoding="utf-8"?>
+<file path=ppt/slides/slide2.xml><?xml version="1.0" encoding="utf-8"?>
+<p:sld xmlns:a="http://schemas.openxmlformats.org/drawingml/2006/main" xmlns:r="http://schemas.openxmlformats.org/officeDocument/2006/relationships" xmlns:p="http://schemas.openxmlformats.org/presentationml/2006/main">
+  <p:cSld>
+    <p:spTree>
+      <p:nvGrpSpPr>
+        <p:cNvPr id="1" name=""/>
+        <p:cNvGrpSpPr/>
+        <p:nvPr/>
+      </p:nvGrpSpPr>
+      <p:grpSpPr>
+        <a:xfrm>
+          <a:off x="0" y="0"/>
+          <a:ext cx="0" cy="0"/>
+          <a:chOff x="0" y="0"/>
+          <a:chExt cx="0" cy="0"/>
+        </a:xfrm>
+      </p:grpSpPr>
+      <p:sp>
+        <p:nvSpPr>
+          <p:cNvPr id="2" name="標題 1">
+            <a:extLst>
+              <a:ext uri="{FF2B5EF4-FFF2-40B4-BE49-F238E27FC236}">
+                <a16:creationId xmlns:a16="http://schemas.microsoft.com/office/drawing/2014/main" id="{8F4F29F1-7291-4D3C-9F89-4E121F9B1F80}"/>
+              </a:ext>
+            </a:extLst>
+          </p:cNvPr>
+          <p:cNvSpPr>
+            <a:spLocks noGrp="1"/>
+          </p:cNvSpPr>
+          <p:nvPr>
+            <p:ph type="title"/>
+          </p:nvPr>
+        </p:nvSpPr>
+        <p:spPr/>
+        <p:txBody>
+          <a:bodyPr/>
+          <a:lstStyle/>
+          <a:p>
+            <a:r>
+              <a:rPr lang="en-US" altLang="zh-TW" dirty="0"/>
+              <a:t>Indentation Style</a:t>
+            </a:r>
+            <a:endParaRPr lang="zh-TW" altLang="en-US" dirty="0"/>
+          </a:p>
+        </p:txBody>
+      </p:sp>
+      <p:sp>
+        <p:nvSpPr>
+          <p:cNvPr id="3" name="內容版面配置區 2">
+            <a:extLst>
+              <a:ext uri="{FF2B5EF4-FFF2-40B4-BE49-F238E27FC236}">
+                <a16:creationId xmlns:a16="http://schemas.microsoft.com/office/drawing/2014/main" id="{03C8BAB2-5E53-4AD8-ACD9-FA2B949E033A}"/>
+              </a:ext>
+            </a:extLst>
+          </p:cNvPr>
+          <p:cNvSpPr>
+            <a:spLocks noGrp="1"/>
+          </p:cNvSpPr>
+          <p:nvPr>
+            <p:ph idx="1"/>
+          </p:nvPr>
+        </p:nvSpPr>
+        <p:spPr/>
+        <p:txBody>
+          <a:bodyPr/>
+          <a:lstStyle/>
+          <a:p>
+            <a:r>
+              <a:rPr lang="en-US" altLang="zh-TW" dirty="0"/>
+              <a:t>Indenting is used to clarify the link between control flow constructs.</a:t>
+            </a:r>
+          </a:p>
+          <a:p>
+            <a:pPr lvl="1"/>
+            <a:r>
+              <a:rPr lang="en-US" altLang="zh-TW" dirty="0"/>
+              <a:t>conditions </a:t>
+            </a:r>
+          </a:p>
+          <a:p>
+            <a:pPr lvl="1"/>
+            <a:r>
+              <a:rPr lang="en-US" altLang="zh-TW" dirty="0"/>
+              <a:t>loops</a:t>
+            </a:r>
+          </a:p>
+          <a:p>
+            <a:pPr lvl="1"/>
+            <a:r>
+              <a:rPr lang="en-US" altLang="zh-TW" dirty="0"/>
+              <a:t>code contained within and outside of them.</a:t>
+            </a:r>
+            <a:endParaRPr lang="zh-TW" altLang="en-US" dirty="0"/>
+          </a:p>
+          <a:p>
+            <a:r>
+              <a:rPr lang="en-US" altLang="zh-TW" dirty="0"/>
+              <a:t>Indentation is not a requirement and whitespace is insignificant in C.</a:t>
+            </a:r>
+          </a:p>
+          <a:p>
+            <a:r>
+              <a:rPr lang="en-US" altLang="zh-TW" dirty="0"/>
+              <a:t>However, Python uses indentation to determine the structure instead of using braces or keywords</a:t>
+            </a:r>
+          </a:p>
+        </p:txBody>
+      </p:sp>
+      <p:sp>
+        <p:nvSpPr>
+          <p:cNvPr id="5" name="文字方塊 4">
+            <a:extLst>
+              <a:ext uri="{FF2B5EF4-FFF2-40B4-BE49-F238E27FC236}">
+                <a16:creationId xmlns:a16="http://schemas.microsoft.com/office/drawing/2014/main" id="{6C71E9A4-EB77-43C9-A93F-DDB6E4C66D06}"/>
+              </a:ext>
+            </a:extLst>
+          </p:cNvPr>
+          <p:cNvSpPr txBox="1"/>
+          <p:nvPr/>
+        </p:nvSpPr>
+        <p:spPr>
+          <a:xfrm>
+            <a:off x="-73404" y="6492875"/>
+            <a:ext cx="6094602" cy="369332"/>
+          </a:xfrm>
+          <a:prstGeom prst="rect">
+            <a:avLst/>
+          </a:prstGeom>
+          <a:noFill/>
+        </p:spPr>
+        <p:txBody>
+          <a:bodyPr wrap="square">
+            <a:spAutoFit/>
+          </a:bodyPr>
+          <a:lstStyle/>
+          <a:p>
+            <a:r>
+              <a:rPr lang="zh-TW" altLang="en-US" dirty="0"/>
+              <a:t>https://en.wikipedia.org/wiki/Indentation_style</a:t>
+            </a:r>
+          </a:p>
+        </p:txBody>
+      </p:sp>
+    </p:spTree>
+    <p:extLst>
+      <p:ext uri="{BB962C8B-B14F-4D97-AF65-F5344CB8AC3E}">
+        <p14:creationId xmlns:p14="http://schemas.microsoft.com/office/powerpoint/2010/main" val="2356756101"/>
+      </p:ext>
+    </p:extLst>
+  </p:cSld>
+  <p:clrMapOvr>
+    <a:masterClrMapping/>
+  </p:clrMapOvr>
+</p:sld>
+</file>
+
+<file path=ppt/slides/slide20.xml><?xml version="1.0" encoding="utf-8"?>
 <p:sld xmlns:a="http://schemas.openxmlformats.org/drawingml/2006/main" xmlns:r="http://schemas.openxmlformats.org/officeDocument/2006/relationships" xmlns:p="http://schemas.openxmlformats.org/presentationml/2006/main">
   <p:cSld>
     <p:spTree>
@@ -6682,163 +6945,7 @@
 </p:sld>
 </file>
 
-<file path=ppt/slides/slide2.xml><?xml version="1.0" encoding="utf-8"?>
-<p:sld xmlns:a="http://schemas.openxmlformats.org/drawingml/2006/main" xmlns:r="http://schemas.openxmlformats.org/officeDocument/2006/relationships" xmlns:p="http://schemas.openxmlformats.org/presentationml/2006/main">
-  <p:cSld>
-    <p:spTree>
-      <p:nvGrpSpPr>
-        <p:cNvPr id="1" name=""/>
-        <p:cNvGrpSpPr/>
-        <p:nvPr/>
-      </p:nvGrpSpPr>
-      <p:grpSpPr>
-        <a:xfrm>
-          <a:off x="0" y="0"/>
-          <a:ext cx="0" cy="0"/>
-          <a:chOff x="0" y="0"/>
-          <a:chExt cx="0" cy="0"/>
-        </a:xfrm>
-      </p:grpSpPr>
-      <p:sp>
-        <p:nvSpPr>
-          <p:cNvPr id="2" name="標題 1">
-            <a:extLst>
-              <a:ext uri="{FF2B5EF4-FFF2-40B4-BE49-F238E27FC236}">
-                <a16:creationId xmlns:a16="http://schemas.microsoft.com/office/drawing/2014/main" id="{8F4F29F1-7291-4D3C-9F89-4E121F9B1F80}"/>
-              </a:ext>
-            </a:extLst>
-          </p:cNvPr>
-          <p:cNvSpPr>
-            <a:spLocks noGrp="1"/>
-          </p:cNvSpPr>
-          <p:nvPr>
-            <p:ph type="title"/>
-          </p:nvPr>
-        </p:nvSpPr>
-        <p:spPr/>
-        <p:txBody>
-          <a:bodyPr/>
-          <a:lstStyle/>
-          <a:p>
-            <a:r>
-              <a:rPr lang="en-US" altLang="zh-TW" dirty="0"/>
-              <a:t>Indentation Style</a:t>
-            </a:r>
-            <a:endParaRPr lang="zh-TW" altLang="en-US" dirty="0"/>
-          </a:p>
-        </p:txBody>
-      </p:sp>
-      <p:sp>
-        <p:nvSpPr>
-          <p:cNvPr id="3" name="內容版面配置區 2">
-            <a:extLst>
-              <a:ext uri="{FF2B5EF4-FFF2-40B4-BE49-F238E27FC236}">
-                <a16:creationId xmlns:a16="http://schemas.microsoft.com/office/drawing/2014/main" id="{03C8BAB2-5E53-4AD8-ACD9-FA2B949E033A}"/>
-              </a:ext>
-            </a:extLst>
-          </p:cNvPr>
-          <p:cNvSpPr>
-            <a:spLocks noGrp="1"/>
-          </p:cNvSpPr>
-          <p:nvPr>
-            <p:ph idx="1"/>
-          </p:nvPr>
-        </p:nvSpPr>
-        <p:spPr/>
-        <p:txBody>
-          <a:bodyPr/>
-          <a:lstStyle/>
-          <a:p>
-            <a:r>
-              <a:rPr lang="en-US" altLang="zh-TW" dirty="0"/>
-              <a:t>Indenting is used to clarify the link between control flow constructs.</a:t>
-            </a:r>
-          </a:p>
-          <a:p>
-            <a:pPr lvl="1"/>
-            <a:r>
-              <a:rPr lang="en-US" altLang="zh-TW" dirty="0"/>
-              <a:t>conditions </a:t>
-            </a:r>
-          </a:p>
-          <a:p>
-            <a:pPr lvl="1"/>
-            <a:r>
-              <a:rPr lang="en-US" altLang="zh-TW" dirty="0"/>
-              <a:t>loops</a:t>
-            </a:r>
-          </a:p>
-          <a:p>
-            <a:pPr lvl="1"/>
-            <a:r>
-              <a:rPr lang="en-US" altLang="zh-TW" dirty="0"/>
-              <a:t>code contained within and outside of them.</a:t>
-            </a:r>
-            <a:endParaRPr lang="zh-TW" altLang="en-US" dirty="0"/>
-          </a:p>
-          <a:p>
-            <a:r>
-              <a:rPr lang="en-US" altLang="zh-TW" dirty="0"/>
-              <a:t>Indentation is not a requirement and whitespace is insignificant in C.</a:t>
-            </a:r>
-          </a:p>
-          <a:p>
-            <a:r>
-              <a:rPr lang="en-US" altLang="zh-TW" dirty="0"/>
-              <a:t>However, Python uses indentation to determine the structure instead of using braces or keywords</a:t>
-            </a:r>
-          </a:p>
-        </p:txBody>
-      </p:sp>
-      <p:sp>
-        <p:nvSpPr>
-          <p:cNvPr id="5" name="文字方塊 4">
-            <a:extLst>
-              <a:ext uri="{FF2B5EF4-FFF2-40B4-BE49-F238E27FC236}">
-                <a16:creationId xmlns:a16="http://schemas.microsoft.com/office/drawing/2014/main" id="{6C71E9A4-EB77-43C9-A93F-DDB6E4C66D06}"/>
-              </a:ext>
-            </a:extLst>
-          </p:cNvPr>
-          <p:cNvSpPr txBox="1"/>
-          <p:nvPr/>
-        </p:nvSpPr>
-        <p:spPr>
-          <a:xfrm>
-            <a:off x="-73404" y="6492875"/>
-            <a:ext cx="6094602" cy="369332"/>
-          </a:xfrm>
-          <a:prstGeom prst="rect">
-            <a:avLst/>
-          </a:prstGeom>
-          <a:noFill/>
-        </p:spPr>
-        <p:txBody>
-          <a:bodyPr wrap="square">
-            <a:spAutoFit/>
-          </a:bodyPr>
-          <a:lstStyle/>
-          <a:p>
-            <a:r>
-              <a:rPr lang="zh-TW" altLang="en-US" dirty="0"/>
-              <a:t>https://en.wikipedia.org/wiki/Indentation_style</a:t>
-            </a:r>
-          </a:p>
-        </p:txBody>
-      </p:sp>
-    </p:spTree>
-    <p:extLst>
-      <p:ext uri="{BB962C8B-B14F-4D97-AF65-F5344CB8AC3E}">
-        <p14:creationId xmlns:p14="http://schemas.microsoft.com/office/powerpoint/2010/main" val="2356756101"/>
-      </p:ext>
-    </p:extLst>
-  </p:cSld>
-  <p:clrMapOvr>
-    <a:masterClrMapping/>
-  </p:clrMapOvr>
-</p:sld>
-</file>
-
-<file path=ppt/slides/slide20.xml><?xml version="1.0" encoding="utf-8"?>
+<file path=ppt/slides/slide21.xml><?xml version="1.0" encoding="utf-8"?>
 <p:sld xmlns:a="http://schemas.openxmlformats.org/drawingml/2006/main" xmlns:r="http://schemas.openxmlformats.org/officeDocument/2006/relationships" xmlns:p="http://schemas.openxmlformats.org/presentationml/2006/main">
   <p:cSld>
     <p:spTree>
